--- a/Assignment2/Smart_Tv.pptx
+++ b/Assignment2/Smart_Tv.pptx
@@ -220,7 +220,7 @@
           <a:p>
             <a:fld id="{CF0E3564-C20D-6940-BFCB-B6FAC8E8311B}" type="datetimeFigureOut">
               <a:rPr lang="en-US" smtClean="0"/>
-              <a:t>7/14/2023</a:t>
+              <a:t>7/15/23</a:t>
             </a:fld>
             <a:endParaRPr lang="en-US"/>
           </a:p>
@@ -2130,7 +2130,7 @@
           <a:p>
             <a:fld id="{668D8ED1-CC37-4804-9F0B-B019284E1093}" type="datetime1">
               <a:rPr lang="en-IN" smtClean="0"/>
-              <a:t>14-07-2023</a:t>
+              <a:t>15/07/23</a:t>
             </a:fld>
             <a:endParaRPr lang="en-IN"/>
           </a:p>
@@ -2392,7 +2392,7 @@
           <a:p>
             <a:fld id="{07E51E54-AFB1-4E5B-B82F-11DF4FF8F23C}" type="datetime1">
               <a:rPr lang="en-IN" smtClean="0"/>
-              <a:t>14-07-2023</a:t>
+              <a:t>15/07/23</a:t>
             </a:fld>
             <a:endParaRPr lang="en-IN"/>
           </a:p>
@@ -2717,7 +2717,7 @@
           <a:p>
             <a:fld id="{FE30046C-4F8E-48E2-ADBA-8A9B981133C8}" type="datetime1">
               <a:rPr lang="en-IN" smtClean="0"/>
-              <a:t>14-07-2023</a:t>
+              <a:t>15/07/23</a:t>
             </a:fld>
             <a:endParaRPr lang="en-IN"/>
           </a:p>
@@ -3069,7 +3069,7 @@
           <a:p>
             <a:fld id="{074D9813-2DE3-4888-B073-6A379A07DD68}" type="datetime1">
               <a:rPr lang="en-IN" smtClean="0"/>
-              <a:t>14-07-2023</a:t>
+              <a:t>15/07/23</a:t>
             </a:fld>
             <a:endParaRPr lang="en-IN"/>
           </a:p>
@@ -3394,7 +3394,7 @@
           <a:p>
             <a:fld id="{48E83205-9BD1-4954-8CA6-D4A00A5A9698}" type="datetime1">
               <a:rPr lang="en-IN" smtClean="0"/>
-              <a:t>14-07-2023</a:t>
+              <a:t>15/07/23</a:t>
             </a:fld>
             <a:endParaRPr lang="en-IN"/>
           </a:p>
@@ -3798,7 +3798,7 @@
           <a:p>
             <a:fld id="{8CB07193-9C03-436A-9107-3154EB599FD8}" type="datetime1">
               <a:rPr lang="en-IN" smtClean="0"/>
-              <a:t>14-07-2023</a:t>
+              <a:t>15/07/23</a:t>
             </a:fld>
             <a:endParaRPr lang="en-IN"/>
           </a:p>
@@ -3978,7 +3978,7 @@
           <a:p>
             <a:fld id="{9D368FD0-8C4B-48A9-B8F7-E3B6E8ED52E3}" type="datetime1">
               <a:rPr lang="en-IN" smtClean="0"/>
-              <a:t>14-07-2023</a:t>
+              <a:t>15/07/23</a:t>
             </a:fld>
             <a:endParaRPr lang="en-IN"/>
           </a:p>
@@ -4168,7 +4168,7 @@
           <a:p>
             <a:fld id="{2EAA43AB-2461-4E86-B672-3C14214DE8E1}" type="datetime1">
               <a:rPr lang="en-IN" smtClean="0"/>
-              <a:t>14-07-2023</a:t>
+              <a:t>15/07/23</a:t>
             </a:fld>
             <a:endParaRPr lang="en-IN"/>
           </a:p>
@@ -4354,7 +4354,7 @@
           <a:p>
             <a:fld id="{CE749B29-7ED4-4AD8-9C55-D3BF625C7C13}" type="datetime1">
               <a:rPr lang="en-IN" smtClean="0"/>
-              <a:t>14-07-2023</a:t>
+              <a:t>15/07/23</a:t>
             </a:fld>
             <a:endParaRPr lang="en-IN"/>
           </a:p>
@@ -4612,7 +4612,7 @@
           <a:p>
             <a:fld id="{7D4FBD69-AC1F-4BC1-85B0-53A946BAF237}" type="datetime1">
               <a:rPr lang="en-IN" smtClean="0"/>
-              <a:t>14-07-2023</a:t>
+              <a:t>15/07/23</a:t>
             </a:fld>
             <a:endParaRPr lang="en-IN"/>
           </a:p>
@@ -4853,7 +4853,7 @@
           <a:p>
             <a:fld id="{F1E6CAE3-BDDB-43CD-9808-429CA8D944DD}" type="datetime1">
               <a:rPr lang="en-IN" smtClean="0"/>
-              <a:t>14-07-2023</a:t>
+              <a:t>15/07/23</a:t>
             </a:fld>
             <a:endParaRPr lang="en-IN"/>
           </a:p>
@@ -5236,7 +5236,7 @@
           <a:p>
             <a:fld id="{4FE60D33-3D11-4641-974B-6A1F823C6C6C}" type="datetime1">
               <a:rPr lang="en-IN" smtClean="0"/>
-              <a:t>14-07-2023</a:t>
+              <a:t>15/07/23</a:t>
             </a:fld>
             <a:endParaRPr lang="en-IN"/>
           </a:p>
@@ -5370,7 +5370,7 @@
           <a:p>
             <a:fld id="{9D08ADB7-4E38-48CB-80FD-46EEA4377D7F}" type="datetime1">
               <a:rPr lang="en-IN" smtClean="0"/>
-              <a:t>14-07-2023</a:t>
+              <a:t>15/07/23</a:t>
             </a:fld>
             <a:endParaRPr lang="en-IN"/>
           </a:p>
@@ -5477,7 +5477,7 @@
           <a:p>
             <a:fld id="{BD9600CD-3F76-4DCA-A80D-7C94C4FEC274}" type="datetime1">
               <a:rPr lang="en-IN" smtClean="0"/>
-              <a:t>14-07-2023</a:t>
+              <a:t>15/07/23</a:t>
             </a:fld>
             <a:endParaRPr lang="en-IN"/>
           </a:p>
@@ -5742,7 +5742,7 @@
           <a:p>
             <a:fld id="{F343C6B1-D360-4FB5-9104-D84ED471CDA8}" type="datetime1">
               <a:rPr lang="en-IN" smtClean="0"/>
-              <a:t>14-07-2023</a:t>
+              <a:t>15/07/23</a:t>
             </a:fld>
             <a:endParaRPr lang="en-IN"/>
           </a:p>
@@ -6015,7 +6015,7 @@
           <a:p>
             <a:fld id="{FC609910-69DA-44B6-8E45-55D84625514F}" type="datetime1">
               <a:rPr lang="en-IN" smtClean="0"/>
-              <a:t>14-07-2023</a:t>
+              <a:t>15/07/23</a:t>
             </a:fld>
             <a:endParaRPr lang="en-IN"/>
           </a:p>
@@ -6768,7 +6768,7 @@
           <a:p>
             <a:fld id="{8935ED7E-C26C-42F8-AA79-661D6CBA494B}" type="datetime1">
               <a:rPr lang="en-IN" smtClean="0"/>
-              <a:t>14-07-2023</a:t>
+              <a:t>15/07/23</a:t>
             </a:fld>
             <a:endParaRPr lang="en-IN"/>
           </a:p>
@@ -8673,7 +8673,7 @@
       </p:sp>
       <p:pic>
         <p:nvPicPr>
-          <p:cNvPr id="6" name="Picture 5" descr="A screenshot of a computer&#10;&#10;Description automatically generated">
+          <p:cNvPr id="6" name="Picture 5">
             <a:extLst>
               <a:ext uri="{FF2B5EF4-FFF2-40B4-BE49-F238E27FC236}">
                 <a16:creationId xmlns:a16="http://schemas.microsoft.com/office/drawing/2014/main" id="{F9D44D8A-EE00-6FD1-4F06-595A81A9234D}"/>
@@ -8687,14 +8687,13 @@
         </p:nvPicPr>
         <p:blipFill>
           <a:blip r:embed="rId3"/>
-          <a:stretch>
-            <a:fillRect/>
-          </a:stretch>
+          <a:srcRect/>
+          <a:stretch/>
         </p:blipFill>
         <p:spPr>
           <a:xfrm>
-            <a:off x="3601338" y="3667126"/>
-            <a:ext cx="5672664" cy="3190874"/>
+            <a:off x="3741492" y="1505679"/>
+            <a:ext cx="3400988" cy="4960801"/>
           </a:xfrm>
           <a:prstGeom prst="rect">
             <a:avLst/>
@@ -10706,7 +10705,7 @@
         </p:blipFill>
         <p:spPr>
           <a:xfrm>
-            <a:off x="2917997" y="3513716"/>
+            <a:off x="2917997" y="3198410"/>
             <a:ext cx="5945393" cy="3344284"/>
           </a:xfrm>
           <a:prstGeom prst="rect">
